--- a/backend/project/PPTX/Network_presentation.pptx
+++ b/backend/project/PPTX/Network_presentation.pptx
@@ -3174,7 +3174,7 @@
           <a:lstStyle/>
           <a:p>
             <a:r>
-              <a:t>Future of Networks</a:t>
+              <a:t>Slide 9: Network Virtualization</a:t>
             </a:r>
           </a:p>
         </p:txBody>
@@ -3196,7 +3196,7 @@
           <a:p>
             <a:r>
               <a:rPr b="1" sz="1800"/>
-              <a:t>Emerging technologies in networking, trends, and predictions.</a:t>
+              <a:t>This slide will discuss network virtualization, which allows multiple virtual networks to run on a single physical network infrastructure. It will explain the benefits of network virtualization and its applications.</a:t>
             </a:r>
           </a:p>
         </p:txBody>
@@ -3228,7 +3228,7 @@
               <a:defRPr sz="1200"/>
             </a:pPr>
             <a:r>
-              <a:t>- References: The Future of Networking, Network World, IEEE Communications Magazine</a:t>
+              <a:t>- Reference: Network Virtualization For Dummies by Dan Pitt, Lacour Arnaud, and Maurice Nagle</a:t>
             </a:r>
           </a:p>
         </p:txBody>
@@ -3267,7 +3267,7 @@
           <a:lstStyle/>
           <a:p>
             <a:r>
-              <a:t>Conclusion</a:t>
+              <a:t>Slide 10: Future of Networks</a:t>
             </a:r>
           </a:p>
         </p:txBody>
@@ -3289,7 +3289,7 @@
           <a:p>
             <a:r>
               <a:rPr b="1" sz="1800"/>
-              <a:t>Summary of key points discussed in the presentation, importance of networks in today's digital world.</a:t>
+              <a:t>This slide will explore the future trends and advancements in networking technology, such as 5G, Internet of Things (IoT), and software-defined networking. It will discuss how these technologies will shape the future of networks.</a:t>
             </a:r>
           </a:p>
         </p:txBody>
@@ -3321,7 +3321,7 @@
               <a:defRPr sz="1200"/>
             </a:pPr>
             <a:r>
-              <a:t>- References: Networking for Dummies, Networking All-in-One For Dummies</a:t>
+              <a:t>- Reference: Network Programmability and Automation by Jason Edelman, Scott S. Lowe, and Matt Oswalt</a:t>
             </a:r>
           </a:p>
         </p:txBody>
@@ -3360,7 +3360,7 @@
           <a:lstStyle/>
           <a:p>
             <a:r>
-              <a:t>Introduction to Networks</a:t>
+              <a:t>Slide 1: Introduction to Networks</a:t>
             </a:r>
           </a:p>
         </p:txBody>
@@ -3382,7 +3382,7 @@
           <a:p>
             <a:r>
               <a:rPr b="1" sz="1800"/>
-              <a:t>Definition of network, different types of networks - LAN, WAN, MAN, etc.</a:t>
+              <a:t>This slide will cover the basics of networks, including what a network is, the different types of networks (LAN, WAN, etc.), and the importance of networks in today's digital world.</a:t>
             </a:r>
           </a:p>
         </p:txBody>
@@ -3414,7 +3414,7 @@
               <a:defRPr sz="1200"/>
             </a:pPr>
             <a:r>
-              <a:t>- References: Cisco Networking Academy, Computer Networking: Principles, Protocols, and Practice</a:t>
+              <a:t>- Reference: Computer Networking: Principles, Protocols and Practice by Olivier Bonaventure</a:t>
             </a:r>
           </a:p>
         </p:txBody>
@@ -3453,7 +3453,7 @@
           <a:lstStyle/>
           <a:p>
             <a:r>
-              <a:t>Network Components</a:t>
+              <a:t>Slide 2: Network Components</a:t>
             </a:r>
           </a:p>
         </p:txBody>
@@ -3475,7 +3475,7 @@
           <a:p>
             <a:r>
               <a:rPr b="1" sz="1800"/>
-              <a:t>Explanation of network components such as routers, switches, hubs, and cables.</a:t>
+              <a:t>This slide will discuss the various components that make up a network, such as routers, switches, servers, and cables. It will also explain their roles and functions within a network.</a:t>
             </a:r>
           </a:p>
         </p:txBody>
@@ -3507,7 +3507,7 @@
               <a:defRPr sz="1200"/>
             </a:pPr>
             <a:r>
-              <a:t>- References: Network Fundamentals: CCNA Exploration Companion Guide</a:t>
+              <a:t>- Reference: Data Communications and Networking by Behrouz A. Forouzan</a:t>
             </a:r>
           </a:p>
         </p:txBody>
@@ -3546,7 +3546,7 @@
           <a:lstStyle/>
           <a:p>
             <a:r>
-              <a:t>Network Topologies</a:t>
+              <a:t>Slide 3: Network Topologies</a:t>
             </a:r>
           </a:p>
         </p:txBody>
@@ -3568,7 +3568,7 @@
           <a:p>
             <a:r>
               <a:rPr b="1" sz="1800"/>
-              <a:t>Common network topologies - bus, star, ring, mesh, and hybrid topologies.</a:t>
+              <a:t>This slide will cover different network topologies, including bus, star, ring, mesh, and hybrid topologies. It will explain how these topologies determine the way devices are connected in a network.</a:t>
             </a:r>
           </a:p>
         </p:txBody>
@@ -3600,7 +3600,7 @@
               <a:defRPr sz="1200"/>
             </a:pPr>
             <a:r>
-              <a:t>- References: Data Communications and Networking by Behrouz A. Forouzan</a:t>
+              <a:t>- Reference: Computer Networks by Andrew S. Tanenbaum</a:t>
             </a:r>
           </a:p>
         </p:txBody>
@@ -3639,7 +3639,7 @@
           <a:lstStyle/>
           <a:p>
             <a:r>
-              <a:t>Network Protocols</a:t>
+              <a:t>Slide 4: Network Protocols</a:t>
             </a:r>
           </a:p>
         </p:txBody>
@@ -3661,7 +3661,7 @@
           <a:p>
             <a:r>
               <a:rPr b="1" sz="1800"/>
-              <a:t>Overview of network protocols like TCP/IP, HTTP, FTP, and DNS.</a:t>
+              <a:t>This slide will discuss popular network protocols such as TCP/IP, Ethernet, and Wi-Fi. It will explain how these protocols facilitate communication and data exchange between devices on a network.</a:t>
             </a:r>
           </a:p>
         </p:txBody>
@@ -3693,7 +3693,7 @@
               <a:defRPr sz="1200"/>
             </a:pPr>
             <a:r>
-              <a:t>- References: Computer Networking: A Top-Down Approach Featuring the Internet</a:t>
+              <a:t>- Reference: Computer Networking: A Top-Down Approach by James F. Kurose and Keith W. Ross</a:t>
             </a:r>
           </a:p>
         </p:txBody>
@@ -3732,7 +3732,7 @@
           <a:lstStyle/>
           <a:p>
             <a:r>
-              <a:t>Network Security</a:t>
+              <a:t>Slide 5: Network Security</a:t>
             </a:r>
           </a:p>
         </p:txBody>
@@ -3754,7 +3754,7 @@
           <a:p>
             <a:r>
               <a:rPr b="1" sz="1800"/>
-              <a:t>Importance of network security, common threats, and security measures.</a:t>
+              <a:t>This slide will cover the importance of network security and different security measures that can be implemented to protect a network from cyber threats. It will also discuss common security vulnerabilities and best practices.</a:t>
             </a:r>
           </a:p>
         </p:txBody>
@@ -3786,7 +3786,7 @@
               <a:defRPr sz="1200"/>
             </a:pPr>
             <a:r>
-              <a:t>- References: Network Security Essentials: Applications and Standards, Cryptography and Network Security</a:t>
+              <a:t>- Reference: Network Security Essentials by William Stallings</a:t>
             </a:r>
           </a:p>
         </p:txBody>
@@ -3825,7 +3825,7 @@
           <a:lstStyle/>
           <a:p>
             <a:r>
-              <a:t>Network Devices</a:t>
+              <a:t>Slide 6: Network Types</a:t>
             </a:r>
           </a:p>
         </p:txBody>
@@ -3847,7 +3847,7 @@
           <a:p>
             <a:r>
               <a:rPr b="1" sz="1800"/>
-              <a:t>Overview of network devices such as firewalls, VPNs, and IDS/IPS.</a:t>
+              <a:t>This slide will discuss different types of networks, such as peer-to-peer networks, client-server networks, and cloud networks. It will explain the characteristics and uses of each type of network.</a:t>
             </a:r>
           </a:p>
         </p:txBody>
@@ -3879,7 +3879,7 @@
               <a:defRPr sz="1200"/>
             </a:pPr>
             <a:r>
-              <a:t>- References: CompTIA Network+ Guide to Managing and Troubleshooting Networks</a:t>
+              <a:t>- Reference: Computer Networking: A Top-Down Approach by James F. Kurose and Keith W. Ross</a:t>
             </a:r>
           </a:p>
         </p:txBody>
@@ -3918,7 +3918,7 @@
           <a:lstStyle/>
           <a:p>
             <a:r>
-              <a:t>Wireless Networks</a:t>
+              <a:t>Slide 7: Network Troubleshooting</a:t>
             </a:r>
           </a:p>
         </p:txBody>
@@ -3940,7 +3940,7 @@
           <a:p>
             <a:r>
               <a:rPr b="1" sz="1800"/>
-              <a:t>Introduction to wireless networks, benefits, and challenges.</a:t>
+              <a:t>This slide will cover common network issues and troubleshooting techniques. It will discuss how to identify and resolve network problems, such as slow connection, network downtime, and connectivity issues.</a:t>
             </a:r>
           </a:p>
         </p:txBody>
@@ -3972,7 +3972,7 @@
               <a:defRPr sz="1200"/>
             </a:pPr>
             <a:r>
-              <a:t>- References: Wireless Networking Handbook, Wireless Communications &amp; Networks</a:t>
+              <a:t>- Reference: Networking All-in-One For Dummies by Doug Lowe</a:t>
             </a:r>
           </a:p>
         </p:txBody>
@@ -4011,7 +4011,7 @@
           <a:lstStyle/>
           <a:p>
             <a:r>
-              <a:t>Network Virtualization</a:t>
+              <a:t>Slide 8: Wireless Networks</a:t>
             </a:r>
           </a:p>
         </p:txBody>
@@ -4033,7 +4033,7 @@
           <a:p>
             <a:r>
               <a:rPr b="1" sz="1800"/>
-              <a:t>Explanation of network virtualization, advantages, and use cases.</a:t>
+              <a:t>This slide will focus on wireless networks, including Wi-Fi, Bluetooth, and cellular networks. It will explain how wireless communication works and the benefits and challenges of wireless networking.</a:t>
             </a:r>
           </a:p>
         </p:txBody>
@@ -4065,7 +4065,7 @@
               <a:defRPr sz="1200"/>
             </a:pPr>
             <a:r>
-              <a:t>- References: Network Virtualization for Dummies, VMware NSX Network Virtualization Design Guide</a:t>
+              <a:t>- Reference: Wireless Communications &amp; Networks by William Stallings</a:t>
             </a:r>
           </a:p>
         </p:txBody>
